--- a/Allium.pptx
+++ b/Allium.pptx
@@ -279,7 +279,7 @@
   </p:defaultTextStyle>
   <p:extLst>
     <p:ext uri="{EFAFB233-063F-42B5-8137-9DF3F51BA10A}">
-      <p15:sldGuideLst xmlns:p15="http://schemas.microsoft.com/office/powerpoint/2012/main" xmlns="">
+      <p15:sldGuideLst xmlns="" xmlns:p15="http://schemas.microsoft.com/office/powerpoint/2012/main">
         <p15:guide id="1" orient="horz">
           <p15:clr>
             <a:srgbClr val="A4A3A4"/>
@@ -1262,7 +1262,7 @@
     </p:spTree>
     <p:extLst>
       <p:ext uri="{BB962C8B-B14F-4D97-AF65-F5344CB8AC3E}">
-        <p14:creationId xmlns:p14="http://schemas.microsoft.com/office/powerpoint/2010/main" xmlns="" val="96218900"/>
+        <p14:creationId xmlns="" xmlns:p14="http://schemas.microsoft.com/office/powerpoint/2010/main" val="96218900"/>
       </p:ext>
     </p:extLst>
   </p:cSld>
@@ -7433,7 +7433,7 @@
           <p:cNvPr id="10" name="TextBox 9">
             <a:extLst>
               <a:ext uri="{FF2B5EF4-FFF2-40B4-BE49-F238E27FC236}">
-                <a16:creationId xmlns:a16="http://schemas.microsoft.com/office/drawing/2014/main" xmlns="" id="{7BF18823-AA4B-4E37-A79E-696EF58204ED}"/>
+                <a16:creationId xmlns="" xmlns:a16="http://schemas.microsoft.com/office/drawing/2014/main" id="{7BF18823-AA4B-4E37-A79E-696EF58204ED}"/>
               </a:ext>
             </a:extLst>
           </p:cNvPr>
@@ -7458,8 +7458,8 @@
           <a:p>
             <a:pPr algn="just"/>
             <a:r>
-              <a:rPr lang="uk-UA" dirty="0"/>
-              <a:t>студента </a:t>
+              <a:rPr lang="uk-UA" dirty="0" smtClean="0"/>
+              <a:t>студентки </a:t>
             </a:r>
             <a:r>
               <a:rPr lang="uk-UA" dirty="0" smtClean="0"/>
@@ -7574,7 +7574,18 @@
                   </a:schemeClr>
                 </a:solidFill>
               </a:rPr>
-              <a:t>актуальність</a:t>
+              <a:t>А</a:t>
+            </a:r>
+            <a:r>
+              <a:rPr lang="uk-UA" sz="3200" dirty="0" smtClean="0">
+                <a:solidFill>
+                  <a:schemeClr val="tx1">
+                    <a:lumMod val="85000"/>
+                    <a:lumOff val="15000"/>
+                  </a:schemeClr>
+                </a:solidFill>
+              </a:rPr>
+              <a:t>ктуальність</a:t>
             </a:r>
             <a:endParaRPr sz="3200" b="1" dirty="0">
               <a:solidFill>
@@ -7613,7 +7624,7 @@
           <a:lstStyle/>
           <a:p>
             <a:r>
-              <a:rPr lang="uk-UA" dirty="0">
+              <a:rPr lang="uk-UA" dirty="0" smtClean="0">
                 <a:solidFill>
                   <a:schemeClr val="tx1">
                     <a:lumMod val="75000"/>
@@ -7621,7 +7632,29 @@
                   </a:schemeClr>
                 </a:solidFill>
               </a:rPr>
-              <a:t>Безумовно, тему створення веб-додатків можна вважати актуальною, адже відсоток використання веб-технологій помітно зростає в усіх сферах людського життя. </a:t>
+              <a:t>Т</a:t>
+            </a:r>
+            <a:r>
+              <a:rPr lang="uk-UA" dirty="0" smtClean="0">
+                <a:solidFill>
+                  <a:schemeClr val="tx1">
+                    <a:lumMod val="75000"/>
+                    <a:lumOff val="25000"/>
+                  </a:schemeClr>
+                </a:solidFill>
+              </a:rPr>
+              <a:t>ему </a:t>
+            </a:r>
+            <a:r>
+              <a:rPr lang="uk-UA" dirty="0">
+                <a:solidFill>
+                  <a:schemeClr val="tx1">
+                    <a:lumMod val="75000"/>
+                    <a:lumOff val="25000"/>
+                  </a:schemeClr>
+                </a:solidFill>
+              </a:rPr>
+              <a:t>створення веб-додатків можна вважати актуальною, адже відсоток використання веб-технологій помітно зростає в усіх сферах людського життя. </a:t>
             </a:r>
             <a:endParaRPr lang="en-US" dirty="0">
               <a:solidFill>
@@ -7837,7 +7870,7 @@
           <a:p>
             <a:pPr lvl="0"/>
             <a:r>
-              <a:rPr lang="uk-UA" dirty="0">
+              <a:rPr lang="uk-UA" dirty="0" smtClean="0">
                 <a:solidFill>
                   <a:schemeClr val="tx1">
                     <a:lumMod val="85000"/>
@@ -7845,9 +7878,9 @@
                   </a:schemeClr>
                 </a:solidFill>
               </a:rPr>
-              <a:t>ВСТУП</a:t>
-            </a:r>
-            <a:endParaRPr dirty="0">
+              <a:t>Вступ</a:t>
+            </a:r>
+            <a:endParaRPr lang="uk-UA" dirty="0">
               <a:solidFill>
                 <a:schemeClr val="tx1">
                   <a:lumMod val="85000"/>
@@ -8066,29 +8099,7 @@
                   </a:schemeClr>
                 </a:solidFill>
               </a:rPr>
-              <a:t> БД </a:t>
-            </a:r>
-            <a:r>
-              <a:rPr lang="ru-RU" dirty="0" smtClean="0">
-                <a:solidFill>
-                  <a:schemeClr val="tx1">
-                    <a:lumMod val="75000"/>
-                    <a:lumOff val="25000"/>
-                  </a:schemeClr>
-                </a:solidFill>
-              </a:rPr>
-              <a:t>та СУБД </a:t>
-            </a:r>
-            <a:r>
-              <a:rPr lang="ru-RU" dirty="0" smtClean="0">
-                <a:solidFill>
-                  <a:schemeClr val="tx1">
-                    <a:lumMod val="75000"/>
-                    <a:lumOff val="25000"/>
-                  </a:schemeClr>
-                </a:solidFill>
-              </a:rPr>
-              <a:t>для </a:t>
+              <a:t> БД та СУБД для </a:t>
             </a:r>
             <a:r>
               <a:rPr lang="ru-RU" dirty="0" err="1" smtClean="0">
@@ -8305,10 +8316,10 @@
                   </a:schemeClr>
                 </a:solidFill>
               </a:rPr>
-              <a:t> </a:t>
-            </a:r>
-            <a:r>
-              <a:rPr lang="ru-RU" dirty="0" smtClean="0">
+              <a:t> та </a:t>
+            </a:r>
+            <a:r>
+              <a:rPr lang="ru-RU" dirty="0" err="1" smtClean="0">
                 <a:solidFill>
                   <a:schemeClr val="tx1">
                     <a:lumMod val="75000"/>
@@ -8316,10 +8327,10 @@
                   </a:schemeClr>
                 </a:solidFill>
               </a:rPr>
-              <a:t>та </a:t>
-            </a:r>
-            <a:r>
-              <a:rPr lang="ru-RU" dirty="0" err="1" smtClean="0">
+              <a:t>засоби</a:t>
+            </a:r>
+            <a:r>
+              <a:rPr lang="ru-RU" dirty="0" smtClean="0">
                 <a:solidFill>
                   <a:schemeClr val="tx1">
                     <a:lumMod val="75000"/>
@@ -8327,10 +8338,10 @@
                   </a:schemeClr>
                 </a:solidFill>
               </a:rPr>
-              <a:t>засоби</a:t>
-            </a:r>
-            <a:r>
-              <a:rPr lang="ru-RU" dirty="0" smtClean="0">
+              <a:t> </a:t>
+            </a:r>
+            <a:r>
+              <a:rPr lang="ru-RU" dirty="0" err="1" smtClean="0">
                 <a:solidFill>
                   <a:schemeClr val="tx1">
                     <a:lumMod val="75000"/>
@@ -8338,10 +8349,10 @@
                   </a:schemeClr>
                 </a:solidFill>
               </a:rPr>
-              <a:t> </a:t>
-            </a:r>
-            <a:r>
-              <a:rPr lang="ru-RU" dirty="0" err="1" smtClean="0">
+              <a:t>проектування</a:t>
+            </a:r>
+            <a:r>
+              <a:rPr lang="ru-RU" dirty="0" smtClean="0">
                 <a:solidFill>
                   <a:schemeClr val="tx1">
                     <a:lumMod val="75000"/>
@@ -8349,10 +8360,10 @@
                   </a:schemeClr>
                 </a:solidFill>
               </a:rPr>
-              <a:t>проектування</a:t>
-            </a:r>
-            <a:r>
-              <a:rPr lang="ru-RU" dirty="0" smtClean="0">
+              <a:t> БД та </a:t>
+            </a:r>
+            <a:r>
+              <a:rPr lang="ru-RU" dirty="0" err="1" smtClean="0">
                 <a:solidFill>
                   <a:schemeClr val="tx1">
                     <a:lumMod val="75000"/>
@@ -8360,10 +8371,10 @@
                   </a:schemeClr>
                 </a:solidFill>
               </a:rPr>
-              <a:t> БД та </a:t>
-            </a:r>
-            <a:r>
-              <a:rPr lang="ru-RU" dirty="0" err="1" smtClean="0">
+              <a:t>розробки</a:t>
+            </a:r>
+            <a:r>
+              <a:rPr lang="ru-RU" dirty="0" smtClean="0">
                 <a:solidFill>
                   <a:schemeClr val="tx1">
                     <a:lumMod val="75000"/>
@@ -8371,29 +8382,7 @@
                   </a:schemeClr>
                 </a:solidFill>
               </a:rPr>
-              <a:t>розробки</a:t>
-            </a:r>
-            <a:r>
-              <a:rPr lang="ru-RU" dirty="0" smtClean="0">
-                <a:solidFill>
-                  <a:schemeClr val="tx1">
-                    <a:lumMod val="75000"/>
-                    <a:lumOff val="25000"/>
-                  </a:schemeClr>
-                </a:solidFill>
-              </a:rPr>
-              <a:t> CMS </a:t>
-            </a:r>
-            <a:r>
-              <a:rPr lang="ru-RU" dirty="0" smtClean="0">
-                <a:solidFill>
-                  <a:schemeClr val="tx1">
-                    <a:lumMod val="75000"/>
-                    <a:lumOff val="25000"/>
-                  </a:schemeClr>
-                </a:solidFill>
-              </a:rPr>
-              <a:t>за </a:t>
+              <a:t> CMS за </a:t>
             </a:r>
             <a:r>
               <a:rPr lang="ru-RU" dirty="0" err="1" smtClean="0">
@@ -8672,18 +8661,7 @@
                   </a:schemeClr>
                 </a:solidFill>
               </a:rPr>
-              <a:t> </a:t>
-            </a:r>
-            <a:r>
-              <a:rPr lang="ru-RU" dirty="0" smtClean="0">
-                <a:solidFill>
-                  <a:schemeClr val="tx1">
-                    <a:lumMod val="75000"/>
-                    <a:lumOff val="25000"/>
-                  </a:schemeClr>
-                </a:solidFill>
-              </a:rPr>
-              <a:t>БД, а </a:t>
+              <a:t> БД, а </a:t>
             </a:r>
             <a:r>
               <a:rPr lang="ru-RU" dirty="0" err="1" smtClean="0">
@@ -9190,7 +9168,18 @@
                   </a:schemeClr>
                 </a:solidFill>
               </a:rPr>
-              <a:t>використані</a:t>
+              <a:t>В</a:t>
+            </a:r>
+            <a:r>
+              <a:rPr lang="ru-RU" dirty="0" err="1" smtClean="0">
+                <a:solidFill>
+                  <a:schemeClr val="tx1">
+                    <a:lumMod val="85000"/>
+                    <a:lumOff val="15000"/>
+                  </a:schemeClr>
+                </a:solidFill>
+              </a:rPr>
+              <a:t>икористані</a:t>
             </a:r>
             <a:r>
               <a:rPr lang="ru-RU" dirty="0" smtClean="0">
@@ -9242,7 +9231,7 @@
         </p:blipFill>
         <p:spPr bwMode="auto">
           <a:xfrm>
-            <a:off x="805543" y="1700438"/>
+            <a:off x="3236323" y="1189898"/>
             <a:ext cx="2972254" cy="1536029"/>
           </a:xfrm>
           <a:prstGeom prst="rect">
@@ -9268,164 +9257,8 @@
         </p:blipFill>
         <p:spPr bwMode="auto">
           <a:xfrm>
-            <a:off x="5638801" y="1890487"/>
+            <a:off x="3390901" y="2827747"/>
             <a:ext cx="2693080" cy="1647408"/>
-          </a:xfrm>
-          <a:prstGeom prst="rect">
-            <a:avLst/>
-          </a:prstGeom>
-          <a:noFill/>
-        </p:spPr>
-      </p:pic>
-      <p:pic>
-        <p:nvPicPr>
-          <p:cNvPr id="1029" name="Picture 5" descr="C:\Users\Ola\Desktop\1200px-HTML5_logo_and_wordmark.svg.png"/>
-          <p:cNvPicPr>
-            <a:picLocks noChangeAspect="1" noChangeArrowheads="1"/>
-          </p:cNvPicPr>
-          <p:nvPr/>
-        </p:nvPicPr>
-        <p:blipFill>
-          <a:blip r:embed="rId4"/>
-          <a:srcRect/>
-          <a:stretch>
-            <a:fillRect/>
-          </a:stretch>
-        </p:blipFill>
-        <p:spPr bwMode="auto">
-          <a:xfrm>
-            <a:off x="7445827" y="3113315"/>
-            <a:ext cx="636359" cy="636359"/>
-          </a:xfrm>
-          <a:prstGeom prst="rect">
-            <a:avLst/>
-          </a:prstGeom>
-          <a:noFill/>
-        </p:spPr>
-      </p:pic>
-      <p:pic>
-        <p:nvPicPr>
-          <p:cNvPr id="1030" name="Picture 6" descr="C:\Users\Ola\Desktop\CSS3_logo_and_wordmark.svg.png"/>
-          <p:cNvPicPr>
-            <a:picLocks noChangeAspect="1" noChangeArrowheads="1"/>
-          </p:cNvPicPr>
-          <p:nvPr/>
-        </p:nvPicPr>
-        <p:blipFill>
-          <a:blip r:embed="rId5"/>
-          <a:srcRect/>
-          <a:stretch>
-            <a:fillRect/>
-          </a:stretch>
-        </p:blipFill>
-        <p:spPr bwMode="auto">
-          <a:xfrm>
-            <a:off x="8069287" y="3096943"/>
-            <a:ext cx="459122" cy="647743"/>
-          </a:xfrm>
-          <a:prstGeom prst="rect">
-            <a:avLst/>
-          </a:prstGeom>
-          <a:noFill/>
-        </p:spPr>
-      </p:pic>
-      <p:pic>
-        <p:nvPicPr>
-          <p:cNvPr id="1031" name="Picture 7" descr="C:\Users\Ola\Desktop\1280px-React-icon.svg.png"/>
-          <p:cNvPicPr>
-            <a:picLocks noChangeAspect="1" noChangeArrowheads="1"/>
-          </p:cNvPicPr>
-          <p:nvPr/>
-        </p:nvPicPr>
-        <p:blipFill>
-          <a:blip r:embed="rId6"/>
-          <a:srcRect/>
-          <a:stretch>
-            <a:fillRect/>
-          </a:stretch>
-        </p:blipFill>
-        <p:spPr bwMode="auto">
-          <a:xfrm>
-            <a:off x="7217226" y="3789137"/>
-            <a:ext cx="740230" cy="523366"/>
-          </a:xfrm>
-          <a:prstGeom prst="rect">
-            <a:avLst/>
-          </a:prstGeom>
-          <a:noFill/>
-        </p:spPr>
-      </p:pic>
-      <p:pic>
-        <p:nvPicPr>
-          <p:cNvPr id="1032" name="Picture 8" descr="C:\Users\Ola\Desktop\unnamed.png"/>
-          <p:cNvPicPr>
-            <a:picLocks noChangeAspect="1" noChangeArrowheads="1"/>
-          </p:cNvPicPr>
-          <p:nvPr/>
-        </p:nvPicPr>
-        <p:blipFill>
-          <a:blip r:embed="rId7"/>
-          <a:srcRect/>
-          <a:stretch>
-            <a:fillRect/>
-          </a:stretch>
-        </p:blipFill>
-        <p:spPr bwMode="auto">
-          <a:xfrm>
-            <a:off x="7815942" y="3765777"/>
-            <a:ext cx="456972" cy="456972"/>
-          </a:xfrm>
-          <a:prstGeom prst="rect">
-            <a:avLst/>
-          </a:prstGeom>
-          <a:noFill/>
-        </p:spPr>
-      </p:pic>
-      <p:pic>
-        <p:nvPicPr>
-          <p:cNvPr id="1033" name="Picture 9" descr="C:\Users\Ola\Desktop\pug-logo-png-transparent.png"/>
-          <p:cNvPicPr>
-            <a:picLocks noChangeAspect="1" noChangeArrowheads="1"/>
-          </p:cNvPicPr>
-          <p:nvPr/>
-        </p:nvPicPr>
-        <p:blipFill>
-          <a:blip r:embed="rId8"/>
-          <a:srcRect/>
-          <a:stretch>
-            <a:fillRect/>
-          </a:stretch>
-        </p:blipFill>
-        <p:spPr bwMode="auto">
-          <a:xfrm>
-            <a:off x="6986223" y="3578995"/>
-            <a:ext cx="514033" cy="514033"/>
-          </a:xfrm>
-          <a:prstGeom prst="rect">
-            <a:avLst/>
-          </a:prstGeom>
-          <a:noFill/>
-        </p:spPr>
-      </p:pic>
-      <p:pic>
-        <p:nvPicPr>
-          <p:cNvPr id="1034" name="Picture 10" descr="C:\Users\Ola\Desktop\Ustanovka-OpenServer-removebg-preview-1.png"/>
-          <p:cNvPicPr>
-            <a:picLocks noChangeAspect="1" noChangeArrowheads="1"/>
-          </p:cNvPicPr>
-          <p:nvPr/>
-        </p:nvPicPr>
-        <p:blipFill>
-          <a:blip r:embed="rId9"/>
-          <a:srcRect/>
-          <a:stretch>
-            <a:fillRect/>
-          </a:stretch>
-        </p:blipFill>
-        <p:spPr bwMode="auto">
-          <a:xfrm>
-            <a:off x="3560080" y="2471057"/>
-            <a:ext cx="2348139" cy="2348139"/>
           </a:xfrm>
           <a:prstGeom prst="rect">
             <a:avLst/>
@@ -9609,7 +9442,7 @@
           <p:cNvPr id="15" name="Google Shape;912;p59">
             <a:extLst>
               <a:ext uri="{FF2B5EF4-FFF2-40B4-BE49-F238E27FC236}">
-                <a16:creationId xmlns:a16="http://schemas.microsoft.com/office/drawing/2014/main" xmlns="" id="{F834BB72-3522-4EB5-B1B7-A9A9628416D7}"/>
+                <a16:creationId xmlns="" xmlns:a16="http://schemas.microsoft.com/office/drawing/2014/main" id="{F834BB72-3522-4EB5-B1B7-A9A9628416D7}"/>
               </a:ext>
             </a:extLst>
           </p:cNvPr>
@@ -9677,7 +9510,7 @@
           <a:p>
             <a:pPr lvl="0"/>
             <a:r>
-              <a:rPr lang="uk-UA" dirty="0">
+              <a:rPr lang="uk-UA" dirty="0" smtClean="0">
                 <a:solidFill>
                   <a:schemeClr val="tx1">
                     <a:lumMod val="85000"/>
@@ -9685,9 +9518,9 @@
                   </a:schemeClr>
                 </a:solidFill>
               </a:rPr>
-              <a:t>ВИСНОВКИ</a:t>
-            </a:r>
-            <a:endParaRPr dirty="0">
+              <a:t>Висновки</a:t>
+            </a:r>
+            <a:endParaRPr lang="uk-UA" dirty="0">
               <a:solidFill>
                 <a:schemeClr val="tx1">
                   <a:lumMod val="85000"/>
@@ -9793,10 +9626,10 @@
                   </a:schemeClr>
                 </a:solidFill>
               </a:rPr>
-              <a:t>Під час виконання даної роботи було проаналізовано завдання </a:t>
-            </a:r>
-            <a:r>
-              <a:rPr lang="uk-UA" dirty="0" smtClean="0">
+              <a:t>Під час виконання даної роботи було проаналізовано завдання розробки БД оптимальної для </a:t>
+            </a:r>
+            <a:r>
+              <a:rPr lang="uk-UA" dirty="0" err="1" smtClean="0">
                 <a:solidFill>
                   <a:schemeClr val="tx1">
                     <a:lumMod val="75000"/>
@@ -9804,7 +9637,7 @@
                   </a:schemeClr>
                 </a:solidFill>
               </a:rPr>
-              <a:t>розробки БД </a:t>
+              <a:t>веб</a:t>
             </a:r>
             <a:r>
               <a:rPr lang="uk-UA" dirty="0" smtClean="0">
@@ -9815,60 +9648,8 @@
                   </a:schemeClr>
                 </a:solidFill>
               </a:rPr>
-              <a:t>оптимальної для </a:t>
-            </a:r>
-            <a:r>
-              <a:rPr lang="uk-UA" dirty="0" err="1" smtClean="0">
-                <a:solidFill>
-                  <a:schemeClr val="tx1">
-                    <a:lumMod val="75000"/>
-                    <a:lumOff val="25000"/>
-                  </a:schemeClr>
-                </a:solidFill>
-              </a:rPr>
-              <a:t>веб</a:t>
-            </a:r>
-            <a:r>
-              <a:rPr lang="uk-UA" dirty="0" smtClean="0">
-                <a:solidFill>
-                  <a:schemeClr val="tx1">
-                    <a:lumMod val="75000"/>
-                    <a:lumOff val="25000"/>
-                  </a:schemeClr>
-                </a:solidFill>
-              </a:rPr>
-              <a:t> додатку магазину одягу та демонстрація </a:t>
-            </a:r>
-            <a:r>
-              <a:rPr lang="uk-UA" dirty="0" smtClean="0">
-                <a:solidFill>
-                  <a:schemeClr val="tx1">
-                    <a:lumMod val="75000"/>
-                    <a:lumOff val="25000"/>
-                  </a:schemeClr>
-                </a:solidFill>
-              </a:rPr>
-              <a:t>її можливостей завдяки </a:t>
-            </a:r>
-            <a:r>
-              <a:rPr lang="uk-UA" dirty="0" smtClean="0">
-                <a:solidFill>
-                  <a:schemeClr val="tx1">
-                    <a:lumMod val="75000"/>
-                    <a:lumOff val="25000"/>
-                  </a:schemeClr>
-                </a:solidFill>
-              </a:rPr>
-              <a:t>створеному власноруч інтерфейсу. </a:t>
-            </a:r>
-            <a:endParaRPr lang="uk-UA" dirty="0" smtClean="0">
-              <a:solidFill>
-                <a:schemeClr val="tx1">
-                  <a:lumMod val="75000"/>
-                  <a:lumOff val="25000"/>
-                </a:schemeClr>
-              </a:solidFill>
-            </a:endParaRPr>
+              <a:t> додатку магазину одягу та демонстрація її можливостей завдяки створеному власноруч інтерфейсу. </a:t>
+            </a:r>
           </a:p>
           <a:p>
             <a:endParaRPr lang="uk-UA" dirty="0" smtClean="0">
@@ -9890,10 +9671,10 @@
                   </a:schemeClr>
                 </a:solidFill>
               </a:rPr>
-              <a:t>Виконали порівняльний аналіз </a:t>
-            </a:r>
-            <a:r>
-              <a:rPr lang="uk-UA" dirty="0" smtClean="0">
+              <a:t>Виконали порівняльний аналіз СУБД </a:t>
+            </a:r>
+            <a:r>
+              <a:rPr lang="en-US" dirty="0" err="1" smtClean="0">
                 <a:solidFill>
                   <a:schemeClr val="tx1">
                     <a:lumMod val="75000"/>
@@ -9901,10 +9682,10 @@
                   </a:schemeClr>
                 </a:solidFill>
               </a:rPr>
-              <a:t>СУБД </a:t>
-            </a:r>
-            <a:r>
-              <a:rPr lang="en-US" dirty="0" err="1" smtClean="0">
+              <a:t>MySQL</a:t>
+            </a:r>
+            <a:r>
+              <a:rPr lang="en-US" dirty="0" smtClean="0">
                 <a:solidFill>
                   <a:schemeClr val="tx1">
                     <a:lumMod val="75000"/>
@@ -9912,10 +9693,10 @@
                   </a:schemeClr>
                 </a:solidFill>
               </a:rPr>
-              <a:t>MySQL</a:t>
-            </a:r>
-            <a:r>
-              <a:rPr lang="en-US" dirty="0" smtClean="0">
+              <a:t>, </a:t>
+            </a:r>
+            <a:r>
+              <a:rPr lang="en-US" dirty="0" err="1" smtClean="0">
                 <a:solidFill>
                   <a:schemeClr val="tx1">
                     <a:lumMod val="75000"/>
@@ -9923,10 +9704,10 @@
                   </a:schemeClr>
                 </a:solidFill>
               </a:rPr>
-              <a:t>, </a:t>
-            </a:r>
-            <a:r>
-              <a:rPr lang="en-US" dirty="0" err="1" smtClean="0">
+              <a:t>SQLite</a:t>
+            </a:r>
+            <a:r>
+              <a:rPr lang="en-US" dirty="0" smtClean="0">
                 <a:solidFill>
                   <a:schemeClr val="tx1">
                     <a:lumMod val="75000"/>
@@ -9934,10 +9715,10 @@
                   </a:schemeClr>
                 </a:solidFill>
               </a:rPr>
-              <a:t>SQLite</a:t>
-            </a:r>
-            <a:r>
-              <a:rPr lang="en-US" dirty="0" smtClean="0">
+              <a:t>. </a:t>
+            </a:r>
+            <a:r>
+              <a:rPr lang="uk-UA" dirty="0" smtClean="0">
                 <a:solidFill>
                   <a:schemeClr val="tx1">
                     <a:lumMod val="75000"/>
@@ -9945,29 +9726,7 @@
                   </a:schemeClr>
                 </a:solidFill>
               </a:rPr>
-              <a:t>. </a:t>
-            </a:r>
-            <a:r>
-              <a:rPr lang="uk-UA" dirty="0" smtClean="0">
-                <a:solidFill>
-                  <a:schemeClr val="tx1">
-                    <a:lumMod val="75000"/>
-                    <a:lumOff val="25000"/>
-                  </a:schemeClr>
-                </a:solidFill>
-              </a:rPr>
-              <a:t>Вивчили нові теоретичні відомості, необхідні </a:t>
-            </a:r>
-            <a:r>
-              <a:rPr lang="uk-UA" dirty="0" smtClean="0">
-                <a:solidFill>
-                  <a:schemeClr val="tx1">
-                    <a:lumMod val="75000"/>
-                    <a:lumOff val="25000"/>
-                  </a:schemeClr>
-                </a:solidFill>
-              </a:rPr>
-              <a:t>для виконання поставлених перед нами задач.</a:t>
+              <a:t>Вивчили нові теоретичні відомості, необхідні для виконання поставлених перед нами задач.</a:t>
             </a:r>
           </a:p>
           <a:p>
@@ -9990,60 +9749,8 @@
                   </a:schemeClr>
                 </a:solidFill>
               </a:rPr>
-              <a:t>Після </a:t>
-            </a:r>
-            <a:r>
-              <a:rPr lang="uk-UA" dirty="0" smtClean="0">
-                <a:solidFill>
-                  <a:schemeClr val="tx1">
-                    <a:lumMod val="75000"/>
-                    <a:lumOff val="25000"/>
-                  </a:schemeClr>
-                </a:solidFill>
-              </a:rPr>
-              <a:t>аналізу було спроектовано БД та розроблена математична </a:t>
-            </a:r>
-            <a:r>
-              <a:rPr lang="uk-UA" dirty="0" smtClean="0">
-                <a:solidFill>
-                  <a:schemeClr val="tx1">
-                    <a:lumMod val="75000"/>
-                    <a:lumOff val="25000"/>
-                  </a:schemeClr>
-                </a:solidFill>
-              </a:rPr>
-              <a:t>модель та </a:t>
-            </a:r>
-            <a:r>
-              <a:rPr lang="uk-UA" dirty="0" smtClean="0">
-                <a:solidFill>
-                  <a:schemeClr val="tx1">
-                    <a:lumMod val="75000"/>
-                    <a:lumOff val="25000"/>
-                  </a:schemeClr>
-                </a:solidFill>
-              </a:rPr>
-              <a:t>алгоритм обробки даних в системі, визначено загальний алгоритм </a:t>
-            </a:r>
-            <a:r>
-              <a:rPr lang="uk-UA" dirty="0" smtClean="0">
-                <a:solidFill>
-                  <a:schemeClr val="tx1">
-                    <a:lumMod val="75000"/>
-                    <a:lumOff val="25000"/>
-                  </a:schemeClr>
-                </a:solidFill>
-              </a:rPr>
-              <a:t>роботи</a:t>
-            </a:r>
-            <a:endParaRPr lang="uk-UA" dirty="0" smtClean="0">
-              <a:solidFill>
-                <a:schemeClr val="tx1">
-                  <a:lumMod val="75000"/>
-                  <a:lumOff val="25000"/>
-                </a:schemeClr>
-              </a:solidFill>
-            </a:endParaRPr>
+              <a:t>Після аналізу було спроектовано БД та розроблена математична модель та алгоритм обробки даних в системі, визначено загальний алгоритм роботи</a:t>
+            </a:r>
           </a:p>
           <a:p>
             <a:endParaRPr lang="uk-UA" dirty="0" smtClean="0">
@@ -10065,40 +9772,7 @@
                   </a:schemeClr>
                 </a:solidFill>
               </a:rPr>
-              <a:t>В </a:t>
-            </a:r>
-            <a:r>
-              <a:rPr lang="uk-UA" dirty="0" smtClean="0">
-                <a:solidFill>
-                  <a:schemeClr val="tx1">
-                    <a:lumMod val="75000"/>
-                    <a:lumOff val="25000"/>
-                  </a:schemeClr>
-                </a:solidFill>
-              </a:rPr>
-              <a:t>результаті курсового проекту отримано продукт, який </a:t>
-            </a:r>
-            <a:r>
-              <a:rPr lang="uk-UA" dirty="0" smtClean="0">
-                <a:solidFill>
-                  <a:schemeClr val="tx1">
-                    <a:lumMod val="75000"/>
-                    <a:lumOff val="25000"/>
-                  </a:schemeClr>
-                </a:solidFill>
-              </a:rPr>
-              <a:t>відповідає функціональним </a:t>
-            </a:r>
-            <a:r>
-              <a:rPr lang="uk-UA" dirty="0" smtClean="0">
-                <a:solidFill>
-                  <a:schemeClr val="tx1">
-                    <a:lumMod val="75000"/>
-                    <a:lumOff val="25000"/>
-                  </a:schemeClr>
-                </a:solidFill>
-              </a:rPr>
-              <a:t>вимогам поставленим на початку розробки проекту.</a:t>
+              <a:t>В результаті курсового проекту отримано продукт, який відповідає функціональним вимогам поставленим на початку розробки проекту.</a:t>
             </a:r>
             <a:endParaRPr lang="en-US" dirty="0">
               <a:solidFill>
@@ -10114,7 +9788,7 @@
     </p:spTree>
     <p:extLst>
       <p:ext uri="{BB962C8B-B14F-4D97-AF65-F5344CB8AC3E}">
-        <p14:creationId xmlns:p14="http://schemas.microsoft.com/office/powerpoint/2010/main" xmlns="" val="1420060160"/>
+        <p14:creationId xmlns="" xmlns:p14="http://schemas.microsoft.com/office/powerpoint/2010/main" val="1420060160"/>
       </p:ext>
     </p:extLst>
   </p:cSld>
